--- a/4주차/SBS게임아카데미_UNITY주말4개월_4주차.pptx
+++ b/4주차/SBS게임아카데미_UNITY주말4개월_4주차.pptx
@@ -4270,6 +4270,13 @@
   <p:clrMapOvr>
     <a:masterClrMapping/>
   </p:clrMapOvr>
+  <p:timing>
+    <p:tnLst>
+      <p:par>
+        <p:cTn id="1" dur="indefinite" restart="never" nodeType="tmRoot"/>
+      </p:par>
+    </p:tnLst>
+  </p:timing>
 </p:sld>
 </file>
 
@@ -5050,6 +5057,13 @@
   <p:clrMapOvr>
     <a:masterClrMapping/>
   </p:clrMapOvr>
+  <p:timing>
+    <p:tnLst>
+      <p:par>
+        <p:cTn id="1" dur="indefinite" restart="never" nodeType="tmRoot"/>
+      </p:par>
+    </p:tnLst>
+  </p:timing>
 </p:sld>
 </file>
 
@@ -5438,6 +5452,13 @@
   <p:clrMapOvr>
     <a:masterClrMapping/>
   </p:clrMapOvr>
+  <p:timing>
+    <p:tnLst>
+      <p:par>
+        <p:cTn id="1" dur="indefinite" restart="never" nodeType="tmRoot"/>
+      </p:par>
+    </p:tnLst>
+  </p:timing>
 </p:sld>
 </file>
 
@@ -5579,6 +5600,13 @@
   <p:clrMapOvr>
     <a:masterClrMapping/>
   </p:clrMapOvr>
+  <p:timing>
+    <p:tnLst>
+      <p:par>
+        <p:cTn id="1" dur="indefinite" restart="never" nodeType="tmRoot"/>
+      </p:par>
+    </p:tnLst>
+  </p:timing>
 </p:sld>
 </file>
 
@@ -5738,6 +5766,13 @@
   <p:clrMapOvr>
     <a:masterClrMapping/>
   </p:clrMapOvr>
+  <p:timing>
+    <p:tnLst>
+      <p:par>
+        <p:cTn id="1" dur="indefinite" restart="never" nodeType="tmRoot"/>
+      </p:par>
+    </p:tnLst>
+  </p:timing>
 </p:sld>
 </file>
 
@@ -5999,6 +6034,13 @@
   <p:clrMapOvr>
     <a:masterClrMapping/>
   </p:clrMapOvr>
+  <p:timing>
+    <p:tnLst>
+      <p:par>
+        <p:cTn id="1" dur="indefinite" restart="never" nodeType="tmRoot"/>
+      </p:par>
+    </p:tnLst>
+  </p:timing>
 </p:sld>
 </file>
 
@@ -6148,6 +6190,13 @@
   <p:clrMapOvr>
     <a:masterClrMapping/>
   </p:clrMapOvr>
+  <p:timing>
+    <p:tnLst>
+      <p:par>
+        <p:cTn id="1" dur="indefinite" restart="never" nodeType="tmRoot"/>
+      </p:par>
+    </p:tnLst>
+  </p:timing>
 </p:sld>
 </file>
 
@@ -6296,6 +6345,13 @@
   <p:clrMapOvr>
     <a:masterClrMapping/>
   </p:clrMapOvr>
+  <p:timing>
+    <p:tnLst>
+      <p:par>
+        <p:cTn id="1" dur="indefinite" restart="never" nodeType="tmRoot"/>
+      </p:par>
+    </p:tnLst>
+  </p:timing>
 </p:sld>
 </file>
 
@@ -6527,6 +6583,13 @@
   <p:clrMapOvr>
     <a:masterClrMapping/>
   </p:clrMapOvr>
+  <p:timing>
+    <p:tnLst>
+      <p:par>
+        <p:cTn id="1" dur="indefinite" restart="never" nodeType="tmRoot"/>
+      </p:par>
+    </p:tnLst>
+  </p:timing>
 </p:sld>
 </file>
 
@@ -6681,6 +6744,13 @@
   <p:clrMapOvr>
     <a:masterClrMapping/>
   </p:clrMapOvr>
+  <p:timing>
+    <p:tnLst>
+      <p:par>
+        <p:cTn id="1" dur="indefinite" restart="never" nodeType="tmRoot"/>
+      </p:par>
+    </p:tnLst>
+  </p:timing>
 </p:sld>
 </file>
 
@@ -6799,6 +6869,13 @@
   <p:clrMapOvr>
     <a:masterClrMapping/>
   </p:clrMapOvr>
+  <p:timing>
+    <p:tnLst>
+      <p:par>
+        <p:cTn id="1" dur="indefinite" restart="never" nodeType="tmRoot"/>
+      </p:par>
+    </p:tnLst>
+  </p:timing>
 </p:sld>
 </file>
 
@@ -6943,6 +7020,13 @@
   <p:clrMapOvr>
     <a:masterClrMapping/>
   </p:clrMapOvr>
+  <p:timing>
+    <p:tnLst>
+      <p:par>
+        <p:cTn id="1" dur="indefinite" restart="never" nodeType="tmRoot"/>
+      </p:par>
+    </p:tnLst>
+  </p:timing>
 </p:sld>
 </file>
 
@@ -7135,6 +7219,13 @@
   <p:clrMapOvr>
     <a:masterClrMapping/>
   </p:clrMapOvr>
+  <p:timing>
+    <p:tnLst>
+      <p:par>
+        <p:cTn id="1" dur="indefinite" restart="never" nodeType="tmRoot"/>
+      </p:par>
+    </p:tnLst>
+  </p:timing>
 </p:sld>
 </file>
 
@@ -7452,6 +7543,13 @@
   <p:clrMapOvr>
     <a:masterClrMapping/>
   </p:clrMapOvr>
+  <p:timing>
+    <p:tnLst>
+      <p:par>
+        <p:cTn id="1" dur="indefinite" restart="never" nodeType="tmRoot"/>
+      </p:par>
+    </p:tnLst>
+  </p:timing>
 </p:sld>
 </file>
 
@@ -7530,6 +7628,10 @@
               <a:rPr lang="ko-KR" altLang="en-US" dirty="0" err="1"/>
               <a:t>콜렉션은</a:t>
             </a:r>
+            <a:r>
+              <a:rPr lang="en-US" altLang="ko-KR" dirty="0"/>
+              <a:t/>
+            </a:r>
             <a:br>
               <a:rPr lang="en-US" altLang="ko-KR" dirty="0"/>
             </a:br>
@@ -7688,6 +7790,13 @@
   <p:clrMapOvr>
     <a:masterClrMapping/>
   </p:clrMapOvr>
+  <p:timing>
+    <p:tnLst>
+      <p:par>
+        <p:cTn id="1" dur="indefinite" restart="never" nodeType="tmRoot"/>
+      </p:par>
+    </p:tnLst>
+  </p:timing>
 </p:sld>
 </file>
 
@@ -7825,6 +7934,13 @@
   <p:clrMapOvr>
     <a:masterClrMapping/>
   </p:clrMapOvr>
+  <p:timing>
+    <p:tnLst>
+      <p:par>
+        <p:cTn id="1" dur="indefinite" restart="never" nodeType="tmRoot"/>
+      </p:par>
+    </p:tnLst>
+  </p:timing>
 </p:sld>
 </file>
 
@@ -8018,6 +8134,13 @@
   <p:clrMapOvr>
     <a:masterClrMapping/>
   </p:clrMapOvr>
+  <p:timing>
+    <p:tnLst>
+      <p:par>
+        <p:cTn id="1" dur="indefinite" restart="never" nodeType="tmRoot"/>
+      </p:par>
+    </p:tnLst>
+  </p:timing>
 </p:sld>
 </file>
 
@@ -8107,6 +8230,13 @@
   <p:clrMapOvr>
     <a:masterClrMapping/>
   </p:clrMapOvr>
+  <p:timing>
+    <p:tnLst>
+      <p:par>
+        <p:cTn id="1" dur="indefinite" restart="never" nodeType="tmRoot"/>
+      </p:par>
+    </p:tnLst>
+  </p:timing>
 </p:sld>
 </file>
 
@@ -8169,6 +8299,10 @@
               <a:rPr lang="ko-KR" altLang="en-US" dirty="0"/>
               <a:t>정의가 있는 것처럼</a:t>
             </a:r>
+            <a:r>
+              <a:rPr lang="en-US" altLang="ko-KR" dirty="0"/>
+              <a:t/>
+            </a:r>
             <a:br>
               <a:rPr lang="en-US" altLang="ko-KR" dirty="0"/>
             </a:br>
@@ -8359,6 +8493,13 @@
   <p:clrMapOvr>
     <a:masterClrMapping/>
   </p:clrMapOvr>
+  <p:timing>
+    <p:tnLst>
+      <p:par>
+        <p:cTn id="1" dur="indefinite" restart="never" nodeType="tmRoot"/>
+      </p:par>
+    </p:tnLst>
+  </p:timing>
 </p:sld>
 </file>
 
@@ -8448,6 +8589,13 @@
   <p:clrMapOvr>
     <a:masterClrMapping/>
   </p:clrMapOvr>
+  <p:timing>
+    <p:tnLst>
+      <p:par>
+        <p:cTn id="1" dur="indefinite" restart="never" nodeType="tmRoot"/>
+      </p:par>
+    </p:tnLst>
+  </p:timing>
 </p:sld>
 </file>
 
@@ -8709,6 +8857,13 @@
   <p:clrMapOvr>
     <a:masterClrMapping/>
   </p:clrMapOvr>
+  <p:timing>
+    <p:tnLst>
+      <p:par>
+        <p:cTn id="1" dur="indefinite" restart="never" nodeType="tmRoot"/>
+      </p:par>
+    </p:tnLst>
+  </p:timing>
 </p:sld>
 </file>
 
@@ -9014,6 +9169,13 @@
   <p:clrMapOvr>
     <a:masterClrMapping/>
   </p:clrMapOvr>
+  <p:timing>
+    <p:tnLst>
+      <p:par>
+        <p:cTn id="1" dur="indefinite" restart="never" nodeType="tmRoot"/>
+      </p:par>
+    </p:tnLst>
+  </p:timing>
 </p:sld>
 </file>
 
@@ -9144,6 +9306,13 @@
   <p:clrMapOvr>
     <a:masterClrMapping/>
   </p:clrMapOvr>
+  <p:timing>
+    <p:tnLst>
+      <p:par>
+        <p:cTn id="1" dur="indefinite" restart="never" nodeType="tmRoot"/>
+      </p:par>
+    </p:tnLst>
+  </p:timing>
 </p:sld>
 </file>
 
@@ -9339,6 +9508,13 @@
   <p:clrMapOvr>
     <a:masterClrMapping/>
   </p:clrMapOvr>
+  <p:timing>
+    <p:tnLst>
+      <p:par>
+        <p:cTn id="1" dur="indefinite" restart="never" nodeType="tmRoot"/>
+      </p:par>
+    </p:tnLst>
+  </p:timing>
 </p:sld>
 </file>
 
@@ -9468,6 +9644,13 @@
   <p:clrMapOvr>
     <a:masterClrMapping/>
   </p:clrMapOvr>
+  <p:timing>
+    <p:tnLst>
+      <p:par>
+        <p:cTn id="1" dur="indefinite" restart="never" nodeType="tmRoot"/>
+      </p:par>
+    </p:tnLst>
+  </p:timing>
 </p:sld>
 </file>
 
@@ -9613,6 +9796,13 @@
   <p:clrMapOvr>
     <a:masterClrMapping/>
   </p:clrMapOvr>
+  <p:timing>
+    <p:tnLst>
+      <p:par>
+        <p:cTn id="1" dur="indefinite" restart="never" nodeType="tmRoot"/>
+      </p:par>
+    </p:tnLst>
+  </p:timing>
 </p:sld>
 </file>
 
@@ -9754,6 +9944,13 @@
   <p:clrMapOvr>
     <a:masterClrMapping/>
   </p:clrMapOvr>
+  <p:timing>
+    <p:tnLst>
+      <p:par>
+        <p:cTn id="1" dur="indefinite" restart="never" nodeType="tmRoot"/>
+      </p:par>
+    </p:tnLst>
+  </p:timing>
 </p:sld>
 </file>
 
@@ -9868,6 +10065,13 @@
   <p:clrMapOvr>
     <a:masterClrMapping/>
   </p:clrMapOvr>
+  <p:timing>
+    <p:tnLst>
+      <p:par>
+        <p:cTn id="1" dur="indefinite" restart="never" nodeType="tmRoot"/>
+      </p:par>
+    </p:tnLst>
+  </p:timing>
 </p:sld>
 </file>
 
@@ -10013,6 +10217,13 @@
   <p:clrMapOvr>
     <a:masterClrMapping/>
   </p:clrMapOvr>
+  <p:timing>
+    <p:tnLst>
+      <p:par>
+        <p:cTn id="1" dur="indefinite" restart="never" nodeType="tmRoot"/>
+      </p:par>
+    </p:tnLst>
+  </p:timing>
 </p:sld>
 </file>
 
@@ -10219,6 +10430,10 @@
               <a:rPr lang="ko-KR" altLang="en-US" dirty="0"/>
               <a:t>가상 일반화 클래스</a:t>
             </a:r>
+            <a:r>
+              <a:rPr lang="en-US" altLang="ko-KR" dirty="0"/>
+              <a:t/>
+            </a:r>
             <a:br>
               <a:rPr lang="en-US" altLang="ko-KR" dirty="0"/>
             </a:br>
@@ -10280,6 +10495,13 @@
   <p:clrMapOvr>
     <a:masterClrMapping/>
   </p:clrMapOvr>
+  <p:timing>
+    <p:tnLst>
+      <p:par>
+        <p:cTn id="1" dur="indefinite" restart="never" nodeType="tmRoot"/>
+      </p:par>
+    </p:tnLst>
+  </p:timing>
 </p:sld>
 </file>
 
@@ -10671,6 +10893,13 @@
   <p:clrMapOvr>
     <a:masterClrMapping/>
   </p:clrMapOvr>
+  <p:timing>
+    <p:tnLst>
+      <p:par>
+        <p:cTn id="1" dur="indefinite" restart="never" nodeType="tmRoot"/>
+      </p:par>
+    </p:tnLst>
+  </p:timing>
 </p:sld>
 </file>
 
@@ -10805,15 +11034,15 @@
           <a:lstStyle/>
           <a:p>
             <a:r>
-              <a:rPr lang="en-US" altLang="ko-KR" sz="2400" dirty="0">
+              <a:rPr lang="en-US" altLang="ko-KR" sz="2400" dirty="0" smtClean="0">
                 <a:solidFill>
                   <a:schemeClr val="accent6"/>
                 </a:solidFill>
               </a:rPr>
-              <a:t>virtual class</a:t>
-            </a:r>
-            <a:r>
-              <a:rPr lang="en-US" altLang="ko-KR" sz="2400" dirty="0"/>
+              <a:t>class</a:t>
+            </a:r>
+            <a:r>
+              <a:rPr lang="en-US" altLang="ko-KR" sz="2400" dirty="0" smtClean="0"/>
               <a:t> </a:t>
             </a:r>
             <a:r>
@@ -11071,6 +11300,13 @@
   <p:clrMapOvr>
     <a:masterClrMapping/>
   </p:clrMapOvr>
+  <p:timing>
+    <p:tnLst>
+      <p:par>
+        <p:cTn id="1" dur="indefinite" restart="never" nodeType="tmRoot"/>
+      </p:par>
+    </p:tnLst>
+  </p:timing>
 </p:sld>
 </file>
 
@@ -12707,6 +12943,13 @@
   <p:clrMapOvr>
     <a:masterClrMapping/>
   </p:clrMapOvr>
+  <p:timing>
+    <p:tnLst>
+      <p:par>
+        <p:cTn id="1" dur="indefinite" restart="never" nodeType="tmRoot"/>
+      </p:par>
+    </p:tnLst>
+  </p:timing>
 </p:sld>
 </file>
 
@@ -12994,6 +13237,13 @@
   <p:clrMapOvr>
     <a:masterClrMapping/>
   </p:clrMapOvr>
+  <p:timing>
+    <p:tnLst>
+      <p:par>
+        <p:cTn id="1" dur="indefinite" restart="never" nodeType="tmRoot"/>
+      </p:par>
+    </p:tnLst>
+  </p:timing>
 </p:sld>
 </file>
 
@@ -13937,6 +14187,10 @@
               <a:rPr lang="ko-KR" altLang="en-US" sz="2800" b="1" dirty="0"/>
               <a:t>이론 마무리</a:t>
             </a:r>
+            <a:r>
+              <a:rPr lang="en-US" altLang="ko-KR" sz="2800" b="1" dirty="0"/>
+              <a:t/>
+            </a:r>
             <a:br>
               <a:rPr lang="en-US" altLang="ko-KR" sz="2800" b="1" dirty="0"/>
             </a:br>
@@ -14079,6 +14333,13 @@
   <p:clrMapOvr>
     <a:masterClrMapping/>
   </p:clrMapOvr>
+  <p:timing>
+    <p:tnLst>
+      <p:par>
+        <p:cTn id="1" dur="indefinite" restart="never" nodeType="tmRoot"/>
+      </p:par>
+    </p:tnLst>
+  </p:timing>
 </p:sld>
 </file>
 
@@ -14325,6 +14586,13 @@
   <p:clrMapOvr>
     <a:masterClrMapping/>
   </p:clrMapOvr>
+  <p:timing>
+    <p:tnLst>
+      <p:par>
+        <p:cTn id="1" dur="indefinite" restart="never" nodeType="tmRoot"/>
+      </p:par>
+    </p:tnLst>
+  </p:timing>
 </p:sld>
 </file>
 
@@ -16162,6 +16430,13 @@
   <p:clrMapOvr>
     <a:masterClrMapping/>
   </p:clrMapOvr>
+  <p:timing>
+    <p:tnLst>
+      <p:par>
+        <p:cTn id="1" dur="indefinite" restart="never" nodeType="tmRoot"/>
+      </p:par>
+    </p:tnLst>
+  </p:timing>
 </p:sld>
 </file>
 
@@ -18038,6 +18313,13 @@
   <p:clrMapOvr>
     <a:masterClrMapping/>
   </p:clrMapOvr>
+  <p:timing>
+    <p:tnLst>
+      <p:par>
+        <p:cTn id="1" dur="indefinite" restart="never" nodeType="tmRoot"/>
+      </p:par>
+    </p:tnLst>
+  </p:timing>
 </p:sld>
 </file>
 
